--- a/aula 02 flask.pptx
+++ b/aula 02 flask.pptx
@@ -311,7 +311,7 @@
           <a:p>
             <a:fld id="{7850A4DE-4E40-42D9-91E5-22AE04458DB3}" type="datetimeFigureOut">
               <a:rPr lang="pt-BR" smtClean="0"/>
-              <a:t>07/11/2022</a:t>
+              <a:t>14/11/2022</a:t>
             </a:fld>
             <a:endParaRPr lang="pt-BR"/>
           </a:p>
@@ -509,7 +509,7 @@
           <a:p>
             <a:fld id="{7850A4DE-4E40-42D9-91E5-22AE04458DB3}" type="datetimeFigureOut">
               <a:rPr lang="pt-BR" smtClean="0"/>
-              <a:t>07/11/2022</a:t>
+              <a:t>14/11/2022</a:t>
             </a:fld>
             <a:endParaRPr lang="pt-BR"/>
           </a:p>
@@ -717,7 +717,7 @@
           <a:p>
             <a:fld id="{7850A4DE-4E40-42D9-91E5-22AE04458DB3}" type="datetimeFigureOut">
               <a:rPr lang="pt-BR" smtClean="0"/>
-              <a:t>07/11/2022</a:t>
+              <a:t>14/11/2022</a:t>
             </a:fld>
             <a:endParaRPr lang="pt-BR"/>
           </a:p>
@@ -915,7 +915,7 @@
           <a:p>
             <a:fld id="{7850A4DE-4E40-42D9-91E5-22AE04458DB3}" type="datetimeFigureOut">
               <a:rPr lang="pt-BR" smtClean="0"/>
-              <a:t>07/11/2022</a:t>
+              <a:t>14/11/2022</a:t>
             </a:fld>
             <a:endParaRPr lang="pt-BR"/>
           </a:p>
@@ -1190,7 +1190,7 @@
           <a:p>
             <a:fld id="{7850A4DE-4E40-42D9-91E5-22AE04458DB3}" type="datetimeFigureOut">
               <a:rPr lang="pt-BR" smtClean="0"/>
-              <a:t>07/11/2022</a:t>
+              <a:t>14/11/2022</a:t>
             </a:fld>
             <a:endParaRPr lang="pt-BR"/>
           </a:p>
@@ -1455,7 +1455,7 @@
           <a:p>
             <a:fld id="{7850A4DE-4E40-42D9-91E5-22AE04458DB3}" type="datetimeFigureOut">
               <a:rPr lang="pt-BR" smtClean="0"/>
-              <a:t>07/11/2022</a:t>
+              <a:t>14/11/2022</a:t>
             </a:fld>
             <a:endParaRPr lang="pt-BR"/>
           </a:p>
@@ -1867,7 +1867,7 @@
           <a:p>
             <a:fld id="{7850A4DE-4E40-42D9-91E5-22AE04458DB3}" type="datetimeFigureOut">
               <a:rPr lang="pt-BR" smtClean="0"/>
-              <a:t>07/11/2022</a:t>
+              <a:t>14/11/2022</a:t>
             </a:fld>
             <a:endParaRPr lang="pt-BR"/>
           </a:p>
@@ -2008,7 +2008,7 @@
           <a:p>
             <a:fld id="{7850A4DE-4E40-42D9-91E5-22AE04458DB3}" type="datetimeFigureOut">
               <a:rPr lang="pt-BR" smtClean="0"/>
-              <a:t>07/11/2022</a:t>
+              <a:t>14/11/2022</a:t>
             </a:fld>
             <a:endParaRPr lang="pt-BR"/>
           </a:p>
@@ -2121,7 +2121,7 @@
           <a:p>
             <a:fld id="{7850A4DE-4E40-42D9-91E5-22AE04458DB3}" type="datetimeFigureOut">
               <a:rPr lang="pt-BR" smtClean="0"/>
-              <a:t>07/11/2022</a:t>
+              <a:t>14/11/2022</a:t>
             </a:fld>
             <a:endParaRPr lang="pt-BR"/>
           </a:p>
@@ -2432,7 +2432,7 @@
           <a:p>
             <a:fld id="{7850A4DE-4E40-42D9-91E5-22AE04458DB3}" type="datetimeFigureOut">
               <a:rPr lang="pt-BR" smtClean="0"/>
-              <a:t>07/11/2022</a:t>
+              <a:t>14/11/2022</a:t>
             </a:fld>
             <a:endParaRPr lang="pt-BR"/>
           </a:p>
@@ -2720,7 +2720,7 @@
           <a:p>
             <a:fld id="{7850A4DE-4E40-42D9-91E5-22AE04458DB3}" type="datetimeFigureOut">
               <a:rPr lang="pt-BR" smtClean="0"/>
-              <a:t>07/11/2022</a:t>
+              <a:t>14/11/2022</a:t>
             </a:fld>
             <a:endParaRPr lang="pt-BR"/>
           </a:p>
@@ -2961,7 +2961,7 @@
           <a:p>
             <a:fld id="{7850A4DE-4E40-42D9-91E5-22AE04458DB3}" type="datetimeFigureOut">
               <a:rPr lang="pt-BR" smtClean="0"/>
-              <a:t>07/11/2022</a:t>
+              <a:t>14/11/2022</a:t>
             </a:fld>
             <a:endParaRPr lang="pt-BR"/>
           </a:p>
